--- a/materials/slides/ds1.pptx
+++ b/materials/slides/ds1.pptx
@@ -378,7 +378,7 @@
             <a:fld id="{FF1472F5-E874-45EB-9D70-82D26FE8604A}" type="datetimeFigureOut">
               <a:rPr lang="zh-CN" altLang="en-US" smtClean="0"/>
               <a:pPr/>
-              <a:t>2017/8/30</a:t>
+              <a:t>2017/9/6</a:t>
             </a:fld>
             <a:endParaRPr lang="zh-CN" altLang="en-US"/>
           </a:p>
@@ -1859,7 +1859,7 @@
             <a:fld id="{5B10405B-49E5-45A4-9C14-FD9DF38AD015}" type="datetimeFigureOut">
               <a:rPr lang="zh-CN" altLang="en-US" smtClean="0"/>
               <a:pPr/>
-              <a:t>2017/8/30</a:t>
+              <a:t>2017/9/6</a:t>
             </a:fld>
             <a:endParaRPr lang="zh-CN" altLang="en-US"/>
           </a:p>
@@ -2024,7 +2024,7 @@
             <a:fld id="{5B10405B-49E5-45A4-9C14-FD9DF38AD015}" type="datetimeFigureOut">
               <a:rPr lang="zh-CN" altLang="en-US" smtClean="0"/>
               <a:pPr/>
-              <a:t>2017/8/30</a:t>
+              <a:t>2017/9/6</a:t>
             </a:fld>
             <a:endParaRPr lang="zh-CN" altLang="en-US"/>
           </a:p>
@@ -2199,7 +2199,7 @@
             <a:fld id="{5B10405B-49E5-45A4-9C14-FD9DF38AD015}" type="datetimeFigureOut">
               <a:rPr lang="zh-CN" altLang="en-US" smtClean="0"/>
               <a:pPr/>
-              <a:t>2017/8/30</a:t>
+              <a:t>2017/9/6</a:t>
             </a:fld>
             <a:endParaRPr lang="zh-CN" altLang="en-US"/>
           </a:p>
@@ -2364,7 +2364,7 @@
             <a:fld id="{5B10405B-49E5-45A4-9C14-FD9DF38AD015}" type="datetimeFigureOut">
               <a:rPr lang="zh-CN" altLang="en-US" smtClean="0"/>
               <a:pPr/>
-              <a:t>2017/8/30</a:t>
+              <a:t>2017/9/6</a:t>
             </a:fld>
             <a:endParaRPr lang="zh-CN" altLang="en-US"/>
           </a:p>
@@ -2606,7 +2606,7 @@
             <a:fld id="{5B10405B-49E5-45A4-9C14-FD9DF38AD015}" type="datetimeFigureOut">
               <a:rPr lang="zh-CN" altLang="en-US" smtClean="0"/>
               <a:pPr/>
-              <a:t>2017/8/30</a:t>
+              <a:t>2017/9/6</a:t>
             </a:fld>
             <a:endParaRPr lang="zh-CN" altLang="en-US"/>
           </a:p>
@@ -2888,7 +2888,7 @@
             <a:fld id="{5B10405B-49E5-45A4-9C14-FD9DF38AD015}" type="datetimeFigureOut">
               <a:rPr lang="zh-CN" altLang="en-US" smtClean="0"/>
               <a:pPr/>
-              <a:t>2017/8/30</a:t>
+              <a:t>2017/9/6</a:t>
             </a:fld>
             <a:endParaRPr lang="zh-CN" altLang="en-US"/>
           </a:p>
@@ -3304,7 +3304,7 @@
             <a:fld id="{5B10405B-49E5-45A4-9C14-FD9DF38AD015}" type="datetimeFigureOut">
               <a:rPr lang="zh-CN" altLang="en-US" smtClean="0"/>
               <a:pPr/>
-              <a:t>2017/8/30</a:t>
+              <a:t>2017/9/6</a:t>
             </a:fld>
             <a:endParaRPr lang="zh-CN" altLang="en-US"/>
           </a:p>
@@ -3418,7 +3418,7 @@
             <a:fld id="{5B10405B-49E5-45A4-9C14-FD9DF38AD015}" type="datetimeFigureOut">
               <a:rPr lang="zh-CN" altLang="en-US" smtClean="0"/>
               <a:pPr/>
-              <a:t>2017/8/30</a:t>
+              <a:t>2017/9/6</a:t>
             </a:fld>
             <a:endParaRPr lang="zh-CN" altLang="en-US"/>
           </a:p>
@@ -3510,7 +3510,7 @@
             <a:fld id="{5B10405B-49E5-45A4-9C14-FD9DF38AD015}" type="datetimeFigureOut">
               <a:rPr lang="zh-CN" altLang="en-US" smtClean="0"/>
               <a:pPr/>
-              <a:t>2017/8/30</a:t>
+              <a:t>2017/9/6</a:t>
             </a:fld>
             <a:endParaRPr lang="zh-CN" altLang="en-US"/>
           </a:p>
@@ -3782,7 +3782,7 @@
             <a:fld id="{5B10405B-49E5-45A4-9C14-FD9DF38AD015}" type="datetimeFigureOut">
               <a:rPr lang="zh-CN" altLang="en-US" smtClean="0"/>
               <a:pPr/>
-              <a:t>2017/8/30</a:t>
+              <a:t>2017/9/6</a:t>
             </a:fld>
             <a:endParaRPr lang="zh-CN" altLang="en-US"/>
           </a:p>
@@ -4031,7 +4031,7 @@
             <a:fld id="{5B10405B-49E5-45A4-9C14-FD9DF38AD015}" type="datetimeFigureOut">
               <a:rPr lang="zh-CN" altLang="en-US" smtClean="0"/>
               <a:pPr/>
-              <a:t>2017/8/30</a:t>
+              <a:t>2017/9/6</a:t>
             </a:fld>
             <a:endParaRPr lang="zh-CN" altLang="en-US"/>
           </a:p>
@@ -4239,7 +4239,7 @@
             <a:fld id="{5B10405B-49E5-45A4-9C14-FD9DF38AD015}" type="datetimeFigureOut">
               <a:rPr lang="zh-CN" altLang="en-US" smtClean="0"/>
               <a:pPr/>
-              <a:t>2017/8/30</a:t>
+              <a:t>2017/9/6</a:t>
             </a:fld>
             <a:endParaRPr lang="zh-CN" altLang="en-US"/>
           </a:p>
@@ -8281,7 +8281,7 @@
           <a:graphicData uri="http://schemas.openxmlformats.org/presentationml/2006/ole">
             <mc:AlternateContent xmlns:mc="http://schemas.openxmlformats.org/markup-compatibility/2006">
               <mc:Choice xmlns:v="urn:schemas-microsoft-com:vml" Requires="v">
-                <p:oleObj spid="_x0000_s1041" name="Visio" r:id="rId3" imgW="2627620" imgH="4228081" progId="Visio.Drawing.11">
+                <p:oleObj spid="_x0000_s1042" name="Visio" r:id="rId3" imgW="2627620" imgH="4228081" progId="Visio.Drawing.11">
                   <p:embed/>
                 </p:oleObj>
               </mc:Choice>
@@ -8716,19 +8716,19 @@
               </a:lnSpc>
             </a:pPr>
             <a:r>
-              <a:rPr lang="zh-CN" altLang="en-US" dirty="0"/>
+              <a:rPr lang="zh-CN" altLang="en-US" b="1" dirty="0"/>
               <a:t>物理结构</a:t>
             </a:r>
             <a:r>
-              <a:rPr lang="en-US" altLang="zh-CN" dirty="0"/>
+              <a:rPr lang="en-US" altLang="zh-CN" b="1" dirty="0"/>
               <a:t>(</a:t>
             </a:r>
             <a:r>
-              <a:rPr lang="zh-CN" altLang="en-US" dirty="0"/>
+              <a:rPr lang="zh-CN" altLang="en-US" b="1" dirty="0"/>
               <a:t>存储结构</a:t>
             </a:r>
             <a:r>
-              <a:rPr lang="en-US" altLang="zh-CN" dirty="0"/>
+              <a:rPr lang="en-US" altLang="zh-CN" b="1" dirty="0"/>
               <a:t>)</a:t>
             </a:r>
           </a:p>
@@ -8772,10 +8772,10 @@
               </a:lnSpc>
             </a:pPr>
             <a:r>
-              <a:rPr lang="zh-CN" altLang="en-US" dirty="0"/>
+              <a:rPr lang="zh-CN" altLang="en-US" b="1" dirty="0"/>
               <a:t>顺序映像</a:t>
             </a:r>
-            <a:endParaRPr lang="en-US" altLang="zh-CN" dirty="0"/>
+            <a:endParaRPr lang="en-US" altLang="zh-CN" b="1" dirty="0"/>
           </a:p>
           <a:p>
             <a:pPr>
@@ -8801,10 +8801,10 @@
               </a:lnSpc>
             </a:pPr>
             <a:r>
-              <a:rPr lang="zh-CN" altLang="en-US" dirty="0"/>
+              <a:rPr lang="zh-CN" altLang="en-US" b="1" dirty="0"/>
               <a:t>非顺序映像</a:t>
             </a:r>
-            <a:endParaRPr lang="en-US" altLang="zh-CN" dirty="0"/>
+            <a:endParaRPr lang="en-US" altLang="zh-CN" b="1" dirty="0"/>
           </a:p>
           <a:p>
             <a:pPr>
@@ -16391,7 +16391,7 @@
             </a:pPr>
             <a:r>
               <a:rPr lang="en-US" altLang="zh-CN" sz="2400" dirty="0"/>
-              <a:t>              </a:t>
+              <a:t>             </a:t>
             </a:r>
             <a:r>
               <a:rPr lang="zh-CN" altLang="en-US" sz="2400" dirty="0"/>
@@ -18279,7 +18279,7 @@
             </a:pPr>
             <a:r>
               <a:rPr lang="zh-CN" altLang="en-US" sz="2000" dirty="0"/>
-              <a:t>     数据关系： 无</a:t>
+              <a:t>      数据关系： 无</a:t>
             </a:r>
           </a:p>
           <a:p>
@@ -27033,27 +27033,39 @@
               <a:buNone/>
             </a:pPr>
             <a:r>
-              <a:rPr lang="en-US" altLang="zh-CN" dirty="0"/>
-              <a:t>          </a:t>
-            </a:r>
-            <a:r>
-              <a:rPr lang="zh-CN" altLang="en-US" sz="2400" dirty="0"/>
+              <a:rPr lang="en-US" altLang="zh-CN" dirty="0">
+                <a:latin typeface="+mn-ea"/>
+              </a:rPr>
+              <a:t>    </a:t>
+            </a:r>
+            <a:r>
+              <a:rPr lang="zh-CN" altLang="en-US" sz="2400" dirty="0">
+                <a:latin typeface="+mn-ea"/>
+              </a:rPr>
               <a:t>一般情况下，算法中基本操作重复执行的次数是问题规模</a:t>
             </a:r>
             <a:r>
-              <a:rPr lang="en-US" altLang="zh-CN" sz="2400" dirty="0"/>
+              <a:rPr lang="en-US" altLang="zh-CN" sz="2400" dirty="0">
+                <a:latin typeface="+mn-ea"/>
+              </a:rPr>
               <a:t>n</a:t>
             </a:r>
             <a:r>
-              <a:rPr lang="zh-CN" altLang="en-US" sz="2400" dirty="0"/>
+              <a:rPr lang="zh-CN" altLang="en-US" sz="2400" dirty="0">
+                <a:latin typeface="+mn-ea"/>
+              </a:rPr>
               <a:t>的某个函数</a:t>
             </a:r>
             <a:r>
-              <a:rPr lang="en-US" altLang="zh-CN" sz="2400" dirty="0"/>
+              <a:rPr lang="en-US" altLang="zh-CN" sz="2400" dirty="0">
+                <a:latin typeface="+mn-ea"/>
+              </a:rPr>
               <a:t>f(n)</a:t>
             </a:r>
             <a:r>
-              <a:rPr lang="zh-CN" altLang="en-US" sz="2400" dirty="0"/>
+              <a:rPr lang="zh-CN" altLang="en-US" sz="2400" dirty="0">
+                <a:latin typeface="+mn-ea"/>
+              </a:rPr>
               <a:t>，记作：</a:t>
             </a:r>
             <a:r>
@@ -27061,30 +27073,43 @@
                 <a:solidFill>
                   <a:srgbClr val="FF0000"/>
                 </a:solidFill>
+                <a:latin typeface="+mn-ea"/>
               </a:rPr>
               <a:t>T(n) = O(f(n))</a:t>
             </a:r>
             <a:r>
-              <a:rPr lang="zh-CN" altLang="en-US" sz="2400" dirty="0"/>
+              <a:rPr lang="zh-CN" altLang="en-US" sz="2400" dirty="0">
+                <a:latin typeface="+mn-ea"/>
+              </a:rPr>
               <a:t>，它表示随着问题规模</a:t>
             </a:r>
             <a:r>
-              <a:rPr lang="en-US" altLang="zh-CN" sz="2400" dirty="0"/>
+              <a:rPr lang="en-US" altLang="zh-CN" sz="2400" dirty="0">
+                <a:latin typeface="+mn-ea"/>
+              </a:rPr>
               <a:t>n</a:t>
             </a:r>
             <a:r>
-              <a:rPr lang="zh-CN" altLang="en-US" sz="2400" dirty="0"/>
+              <a:rPr lang="zh-CN" altLang="en-US" sz="2400" dirty="0">
+                <a:latin typeface="+mn-ea"/>
+              </a:rPr>
               <a:t>的增大，算法执行时间的增长率和</a:t>
             </a:r>
             <a:r>
-              <a:rPr lang="en-US" altLang="zh-CN" sz="2400" dirty="0"/>
+              <a:rPr lang="en-US" altLang="zh-CN" sz="2400" dirty="0">
+                <a:latin typeface="+mn-ea"/>
+              </a:rPr>
               <a:t>f(n)</a:t>
             </a:r>
             <a:r>
-              <a:rPr lang="zh-CN" altLang="en-US" sz="2400" dirty="0"/>
+              <a:rPr lang="zh-CN" altLang="en-US" sz="2400" dirty="0">
+                <a:latin typeface="+mn-ea"/>
+              </a:rPr>
               <a:t>的增长率相同。</a:t>
             </a:r>
-            <a:endParaRPr lang="en-US" altLang="zh-CN" sz="2400" dirty="0"/>
+            <a:endParaRPr lang="en-US" altLang="zh-CN" sz="2400" dirty="0">
+              <a:latin typeface="+mn-ea"/>
+            </a:endParaRPr>
           </a:p>
           <a:p>
             <a:pPr marL="0" indent="0">
@@ -27106,13 +27131,17 @@
             </a:pPr>
             <a:r>
               <a:rPr lang="en-US" altLang="zh-CN" dirty="0"/>
-              <a:t>              </a:t>
-            </a:r>
-            <a:r>
-              <a:rPr lang="zh-CN" altLang="en-US" sz="2400" dirty="0"/>
+              <a:t>        </a:t>
+            </a:r>
+            <a:r>
+              <a:rPr lang="zh-CN" altLang="en-US" sz="2400" dirty="0">
+                <a:latin typeface="+mn-ea"/>
+              </a:rPr>
               <a:t>基本操作的执行次数。</a:t>
             </a:r>
-            <a:endParaRPr lang="en-US" altLang="zh-CN" sz="2400" dirty="0"/>
+            <a:endParaRPr lang="en-US" altLang="zh-CN" sz="2400" dirty="0">
+              <a:latin typeface="+mn-ea"/>
+            </a:endParaRPr>
           </a:p>
         </p:txBody>
       </p:sp>
@@ -29793,7 +29822,7 @@
             <a:graphicData uri="http://schemas.openxmlformats.org/presentationml/2006/ole">
               <mc:AlternateContent xmlns:mc="http://schemas.openxmlformats.org/markup-compatibility/2006">
                 <mc:Choice xmlns:v="urn:schemas-microsoft-com:vml" Requires="v">
-                  <p:oleObj spid="_x0000_s51217" name="公式" r:id="rId4" imgW="977760" imgH="393480" progId="Equation.3">
+                  <p:oleObj spid="_x0000_s51218" name="公式" r:id="rId4" imgW="977760" imgH="393480" progId="Equation.3">
                     <p:embed/>
                   </p:oleObj>
                 </mc:Choice>
@@ -30906,28 +30935,28 @@
               </a:spcBef>
             </a:pPr>
             <a:r>
-              <a:rPr kumimoji="1" lang="en-US" altLang="zh-CN" sz="2400" b="1">
+              <a:rPr kumimoji="1" lang="en-US" altLang="zh-CN" sz="2400" b="1" dirty="0">
                 <a:latin typeface="Times New Roman" pitchFamily="18" charset="0"/>
                 <a:ea typeface="华文中宋" pitchFamily="2" charset="-122"/>
               </a:rPr>
-              <a:t>        </a:t>
-            </a:r>
-            <a:r>
-              <a:rPr kumimoji="1" lang="zh-CN" altLang="en-US" sz="2400" b="1">
+              <a:t>       </a:t>
+            </a:r>
+            <a:r>
+              <a:rPr kumimoji="1" lang="zh-CN" altLang="en-US" sz="2400" b="1" dirty="0">
                 <a:latin typeface="Times New Roman" pitchFamily="18" charset="0"/>
                 <a:ea typeface="华文中宋" pitchFamily="2" charset="-122"/>
               </a:rPr>
               <a:t>常见的算法的时间</a:t>
             </a:r>
             <a:r>
-              <a:rPr kumimoji="1" lang="zh-CN" altLang="en-US" sz="2400" b="1" baseline="30000">
+              <a:rPr kumimoji="1" lang="zh-CN" altLang="en-US" sz="2400" b="1" baseline="30000" dirty="0">
                 <a:latin typeface="Times New Roman" pitchFamily="18" charset="0"/>
                 <a:ea typeface="华文中宋" pitchFamily="2" charset="-122"/>
               </a:rPr>
               <a:t> </a:t>
             </a:r>
             <a:r>
-              <a:rPr kumimoji="1" lang="zh-CN" altLang="en-US" sz="2400" b="1">
+              <a:rPr kumimoji="1" lang="zh-CN" altLang="en-US" sz="2400" b="1" dirty="0">
                 <a:latin typeface="Times New Roman" pitchFamily="18" charset="0"/>
                 <a:ea typeface="华文中宋" pitchFamily="2" charset="-122"/>
               </a:rPr>
@@ -30944,245 +30973,252 @@
               </a:spcBef>
             </a:pPr>
             <a:r>
-              <a:rPr kumimoji="1" lang="zh-CN" altLang="en-US" sz="2400" b="1">
+              <a:rPr kumimoji="1" lang="zh-CN" altLang="en-US" sz="2400" b="1" dirty="0">
                 <a:latin typeface="Times New Roman" pitchFamily="18" charset="0"/>
                 <a:ea typeface="华文中宋" pitchFamily="2" charset="-122"/>
               </a:rPr>
               <a:t>       </a:t>
             </a:r>
             <a:r>
-              <a:rPr kumimoji="1" lang="en-US" altLang="zh-CN" sz="2400" b="1" i="1">
+              <a:rPr kumimoji="1" lang="en-US" altLang="zh-CN" sz="2400" b="1" i="1" dirty="0">
                 <a:latin typeface="Times New Roman" pitchFamily="18" charset="0"/>
                 <a:ea typeface="华文中宋" pitchFamily="2" charset="-122"/>
               </a:rPr>
               <a:t>O</a:t>
             </a:r>
             <a:r>
-              <a:rPr kumimoji="1" lang="en-US" altLang="zh-CN" sz="2400" b="1">
+              <a:rPr kumimoji="1" lang="en-US" altLang="zh-CN" sz="2400" b="1" dirty="0">
                 <a:latin typeface="Times New Roman" pitchFamily="18" charset="0"/>
                 <a:ea typeface="华文中宋" pitchFamily="2" charset="-122"/>
               </a:rPr>
               <a:t>(1)&lt;</a:t>
             </a:r>
             <a:r>
-              <a:rPr kumimoji="1" lang="en-US" altLang="zh-CN" sz="2400" b="1" i="1">
+              <a:rPr kumimoji="1" lang="en-US" altLang="zh-CN" sz="2400" b="1" i="1" dirty="0">
                 <a:latin typeface="Times New Roman" pitchFamily="18" charset="0"/>
                 <a:ea typeface="华文中宋" pitchFamily="2" charset="-122"/>
               </a:rPr>
               <a:t>O</a:t>
             </a:r>
             <a:r>
-              <a:rPr kumimoji="1" lang="en-US" altLang="zh-CN" sz="2400" b="1">
+              <a:rPr kumimoji="1" lang="en-US" altLang="zh-CN" sz="2400" b="1" dirty="0">
                 <a:latin typeface="Times New Roman" pitchFamily="18" charset="0"/>
                 <a:ea typeface="华文中宋" pitchFamily="2" charset="-122"/>
               </a:rPr>
               <a:t>(log </a:t>
             </a:r>
             <a:r>
-              <a:rPr kumimoji="1" lang="en-US" altLang="zh-CN" sz="2400" b="1" i="1">
+              <a:rPr kumimoji="1" lang="en-US" altLang="zh-CN" sz="2400" b="1" i="1" dirty="0">
                 <a:latin typeface="Times New Roman" pitchFamily="18" charset="0"/>
                 <a:ea typeface="华文中宋" pitchFamily="2" charset="-122"/>
               </a:rPr>
               <a:t>n</a:t>
             </a:r>
             <a:r>
-              <a:rPr kumimoji="1" lang="en-US" altLang="zh-CN" sz="2400" b="1">
+              <a:rPr kumimoji="1" lang="en-US" altLang="zh-CN" sz="2400" b="1" dirty="0">
                 <a:latin typeface="Times New Roman" pitchFamily="18" charset="0"/>
                 <a:ea typeface="华文中宋" pitchFamily="2" charset="-122"/>
               </a:rPr>
               <a:t>)&lt;</a:t>
             </a:r>
             <a:r>
-              <a:rPr kumimoji="1" lang="en-US" altLang="zh-CN" sz="2400" b="1" i="1">
+              <a:rPr kumimoji="1" lang="en-US" altLang="zh-CN" sz="2400" b="1" i="1" dirty="0">
                 <a:latin typeface="Times New Roman" pitchFamily="18" charset="0"/>
                 <a:ea typeface="华文中宋" pitchFamily="2" charset="-122"/>
               </a:rPr>
               <a:t>O</a:t>
             </a:r>
             <a:r>
-              <a:rPr kumimoji="1" lang="en-US" altLang="zh-CN" sz="2400" b="1">
+              <a:rPr kumimoji="1" lang="en-US" altLang="zh-CN" sz="2400" b="1" dirty="0">
                 <a:latin typeface="Times New Roman" pitchFamily="18" charset="0"/>
                 <a:ea typeface="华文中宋" pitchFamily="2" charset="-122"/>
               </a:rPr>
               <a:t>(</a:t>
             </a:r>
             <a:r>
-              <a:rPr kumimoji="1" lang="en-US" altLang="zh-CN" sz="2400" b="1" i="1">
+              <a:rPr kumimoji="1" lang="en-US" altLang="zh-CN" sz="2400" b="1" i="1" dirty="0">
                 <a:latin typeface="Times New Roman" pitchFamily="18" charset="0"/>
                 <a:ea typeface="华文中宋" pitchFamily="2" charset="-122"/>
               </a:rPr>
               <a:t>n</a:t>
             </a:r>
             <a:r>
-              <a:rPr kumimoji="1" lang="en-US" altLang="zh-CN" sz="2400" b="1">
+              <a:rPr kumimoji="1" lang="en-US" altLang="zh-CN" sz="2400" b="1" dirty="0">
                 <a:latin typeface="Times New Roman" pitchFamily="18" charset="0"/>
                 <a:ea typeface="华文中宋" pitchFamily="2" charset="-122"/>
               </a:rPr>
               <a:t>)&lt;</a:t>
             </a:r>
             <a:r>
-              <a:rPr kumimoji="1" lang="en-US" altLang="zh-CN" sz="2400" b="1" i="1">
+              <a:rPr kumimoji="1" lang="en-US" altLang="zh-CN" sz="2400" b="1" i="1" dirty="0">
                 <a:latin typeface="Times New Roman" pitchFamily="18" charset="0"/>
                 <a:ea typeface="华文中宋" pitchFamily="2" charset="-122"/>
               </a:rPr>
               <a:t>O</a:t>
             </a:r>
             <a:r>
-              <a:rPr kumimoji="1" lang="en-US" altLang="zh-CN" sz="2400" b="1">
+              <a:rPr kumimoji="1" lang="en-US" altLang="zh-CN" sz="2400" b="1" dirty="0">
                 <a:latin typeface="Times New Roman" pitchFamily="18" charset="0"/>
                 <a:ea typeface="华文中宋" pitchFamily="2" charset="-122"/>
               </a:rPr>
               <a:t>(</a:t>
             </a:r>
             <a:r>
-              <a:rPr kumimoji="1" lang="en-US" altLang="zh-CN" sz="2400" b="1" i="1">
+              <a:rPr kumimoji="1" lang="en-US" altLang="zh-CN" sz="2400" b="1" i="1" dirty="0" err="1">
                 <a:latin typeface="Times New Roman" pitchFamily="18" charset="0"/>
                 <a:ea typeface="华文中宋" pitchFamily="2" charset="-122"/>
               </a:rPr>
               <a:t>n</a:t>
             </a:r>
             <a:r>
-              <a:rPr kumimoji="1" lang="en-US" altLang="zh-CN" sz="2400" b="1">
+              <a:rPr kumimoji="1" lang="en-US" altLang="zh-CN" sz="2400" b="1" dirty="0" err="1">
                 <a:latin typeface="Times New Roman" pitchFamily="18" charset="0"/>
                 <a:ea typeface="华文中宋" pitchFamily="2" charset="-122"/>
               </a:rPr>
-              <a:t>log </a:t>
-            </a:r>
-            <a:r>
-              <a:rPr kumimoji="1" lang="en-US" altLang="zh-CN" sz="2400" b="1" i="1">
+              <a:t>log</a:t>
+            </a:r>
+            <a:r>
+              <a:rPr kumimoji="1" lang="en-US" altLang="zh-CN" sz="2400" b="1" dirty="0">
                 <a:latin typeface="Times New Roman" pitchFamily="18" charset="0"/>
                 <a:ea typeface="华文中宋" pitchFamily="2" charset="-122"/>
               </a:rPr>
-              <a:t>n</a:t>
-            </a:r>
-            <a:r>
-              <a:rPr kumimoji="1" lang="en-US" altLang="zh-CN" sz="2400" b="1">
+              <a:t> </a:t>
+            </a:r>
+            <a:r>
+              <a:rPr kumimoji="1" lang="en-US" altLang="zh-CN" sz="2400" b="1" i="1" dirty="0">
                 <a:latin typeface="Times New Roman" pitchFamily="18" charset="0"/>
                 <a:ea typeface="华文中宋" pitchFamily="2" charset="-122"/>
               </a:rPr>
-              <a:t>)&lt;</a:t>
-            </a:r>
-            <a:r>
-              <a:rPr kumimoji="1" lang="en-US" altLang="zh-CN" sz="2400" b="1" i="1">
+              <a:t>n</a:t>
+            </a:r>
+            <a:r>
+              <a:rPr kumimoji="1" lang="en-US" altLang="zh-CN" sz="2400" b="1" dirty="0">
                 <a:latin typeface="Times New Roman" pitchFamily="18" charset="0"/>
                 <a:ea typeface="华文中宋" pitchFamily="2" charset="-122"/>
               </a:rPr>
-              <a:t>O</a:t>
-            </a:r>
-            <a:r>
-              <a:rPr kumimoji="1" lang="en-US" altLang="zh-CN" sz="2400" b="1">
+              <a:t>)&lt;</a:t>
+            </a:r>
+            <a:r>
+              <a:rPr kumimoji="1" lang="en-US" altLang="zh-CN" sz="2400" b="1" i="1" dirty="0">
                 <a:latin typeface="Times New Roman" pitchFamily="18" charset="0"/>
                 <a:ea typeface="华文中宋" pitchFamily="2" charset="-122"/>
               </a:rPr>
-              <a:t>(</a:t>
-            </a:r>
-            <a:r>
-              <a:rPr kumimoji="1" lang="en-US" altLang="zh-CN" sz="2400" b="1" i="1">
+              <a:t>O</a:t>
+            </a:r>
+            <a:r>
+              <a:rPr kumimoji="1" lang="en-US" altLang="zh-CN" sz="2400" b="1" dirty="0">
                 <a:latin typeface="Times New Roman" pitchFamily="18" charset="0"/>
                 <a:ea typeface="华文中宋" pitchFamily="2" charset="-122"/>
               </a:rPr>
-              <a:t>n</a:t>
-            </a:r>
-            <a:r>
-              <a:rPr kumimoji="1" lang="en-US" altLang="zh-CN" sz="2400" b="1" baseline="20000">
+              <a:t>(</a:t>
+            </a:r>
+            <a:r>
+              <a:rPr kumimoji="1" lang="en-US" altLang="zh-CN" sz="2400" b="1" i="1" dirty="0">
                 <a:latin typeface="Times New Roman" pitchFamily="18" charset="0"/>
                 <a:ea typeface="华文中宋" pitchFamily="2" charset="-122"/>
               </a:rPr>
-              <a:t>2</a:t>
-            </a:r>
-            <a:r>
-              <a:rPr kumimoji="1" lang="en-US" altLang="zh-CN" sz="2400" b="1">
+              <a:t>n</a:t>
+            </a:r>
+            <a:r>
+              <a:rPr kumimoji="1" lang="en-US" altLang="zh-CN" sz="2400" b="1" baseline="20000" dirty="0">
                 <a:latin typeface="Times New Roman" pitchFamily="18" charset="0"/>
                 <a:ea typeface="华文中宋" pitchFamily="2" charset="-122"/>
               </a:rPr>
-              <a:t>)&lt;</a:t>
-            </a:r>
-            <a:r>
-              <a:rPr kumimoji="1" lang="en-US" altLang="zh-CN" sz="2400" b="1" i="1">
+              <a:t>2</a:t>
+            </a:r>
+            <a:r>
+              <a:rPr kumimoji="1" lang="en-US" altLang="zh-CN" sz="2400" b="1" dirty="0">
                 <a:latin typeface="Times New Roman" pitchFamily="18" charset="0"/>
                 <a:ea typeface="华文中宋" pitchFamily="2" charset="-122"/>
               </a:rPr>
-              <a:t>O</a:t>
-            </a:r>
-            <a:r>
-              <a:rPr kumimoji="1" lang="en-US" altLang="zh-CN" sz="2400" b="1">
+              <a:t>)&lt;</a:t>
+            </a:r>
+            <a:r>
+              <a:rPr kumimoji="1" lang="en-US" altLang="zh-CN" sz="2400" b="1" i="1" dirty="0">
                 <a:latin typeface="Times New Roman" pitchFamily="18" charset="0"/>
                 <a:ea typeface="华文中宋" pitchFamily="2" charset="-122"/>
               </a:rPr>
-              <a:t>(2</a:t>
-            </a:r>
-            <a:r>
-              <a:rPr kumimoji="1" lang="en-US" altLang="zh-CN" sz="2400" b="1" i="1" baseline="36000">
+              <a:t>O</a:t>
+            </a:r>
+            <a:r>
+              <a:rPr kumimoji="1" lang="en-US" altLang="zh-CN" sz="2400" b="1" dirty="0">
                 <a:latin typeface="Times New Roman" pitchFamily="18" charset="0"/>
                 <a:ea typeface="华文中宋" pitchFamily="2" charset="-122"/>
               </a:rPr>
-              <a:t>n</a:t>
-            </a:r>
-            <a:r>
-              <a:rPr kumimoji="1" lang="en-US" altLang="zh-CN" sz="2400" b="1">
+              <a:t>(2</a:t>
+            </a:r>
+            <a:r>
+              <a:rPr kumimoji="1" lang="en-US" altLang="zh-CN" sz="2400" b="1" i="1" baseline="36000" dirty="0">
                 <a:latin typeface="Times New Roman" pitchFamily="18" charset="0"/>
                 <a:ea typeface="华文中宋" pitchFamily="2" charset="-122"/>
               </a:rPr>
-              <a:t>)&lt;</a:t>
-            </a:r>
-            <a:r>
-              <a:rPr kumimoji="1" lang="en-US" altLang="zh-CN" sz="2400" b="1" i="1">
+              <a:t>n</a:t>
+            </a:r>
+            <a:r>
+              <a:rPr kumimoji="1" lang="en-US" altLang="zh-CN" sz="2400" b="1" dirty="0">
                 <a:latin typeface="Times New Roman" pitchFamily="18" charset="0"/>
                 <a:ea typeface="华文中宋" pitchFamily="2" charset="-122"/>
               </a:rPr>
-              <a:t>O</a:t>
-            </a:r>
-            <a:r>
-              <a:rPr kumimoji="1" lang="en-US" altLang="zh-CN" sz="2400" b="1">
+              <a:t>)&lt;</a:t>
+            </a:r>
+            <a:r>
+              <a:rPr kumimoji="1" lang="en-US" altLang="zh-CN" sz="2400" b="1" i="1" dirty="0">
                 <a:latin typeface="Times New Roman" pitchFamily="18" charset="0"/>
                 <a:ea typeface="华文中宋" pitchFamily="2" charset="-122"/>
               </a:rPr>
-              <a:t>(</a:t>
-            </a:r>
-            <a:r>
-              <a:rPr kumimoji="1" lang="en-US" altLang="zh-CN" sz="2400" b="1" i="1">
+              <a:t>O</a:t>
+            </a:r>
+            <a:r>
+              <a:rPr kumimoji="1" lang="en-US" altLang="zh-CN" sz="2400" b="1" dirty="0">
                 <a:latin typeface="Times New Roman" pitchFamily="18" charset="0"/>
                 <a:ea typeface="华文中宋" pitchFamily="2" charset="-122"/>
               </a:rPr>
-              <a:t>n</a:t>
-            </a:r>
-            <a:r>
-              <a:rPr kumimoji="1" lang="en-US" altLang="zh-CN" sz="2400" b="1">
+              <a:t>(</a:t>
+            </a:r>
+            <a:r>
+              <a:rPr kumimoji="1" lang="en-US" altLang="zh-CN" sz="2400" b="1" i="1" dirty="0">
                 <a:latin typeface="Times New Roman" pitchFamily="18" charset="0"/>
                 <a:ea typeface="华文中宋" pitchFamily="2" charset="-122"/>
               </a:rPr>
-              <a:t>!)&lt;</a:t>
-            </a:r>
-            <a:r>
-              <a:rPr kumimoji="1" lang="en-US" altLang="zh-CN" sz="2400" b="1" i="1">
+              <a:t>n</a:t>
+            </a:r>
+            <a:r>
+              <a:rPr kumimoji="1" lang="en-US" altLang="zh-CN" sz="2400" b="1" dirty="0">
                 <a:latin typeface="Times New Roman" pitchFamily="18" charset="0"/>
                 <a:ea typeface="华文中宋" pitchFamily="2" charset="-122"/>
               </a:rPr>
-              <a:t>O</a:t>
-            </a:r>
-            <a:r>
-              <a:rPr kumimoji="1" lang="en-US" altLang="zh-CN" sz="2400" b="1">
+              <a:t>!)&lt;</a:t>
+            </a:r>
+            <a:r>
+              <a:rPr kumimoji="1" lang="en-US" altLang="zh-CN" sz="2400" b="1" i="1" dirty="0">
                 <a:latin typeface="Times New Roman" pitchFamily="18" charset="0"/>
                 <a:ea typeface="华文中宋" pitchFamily="2" charset="-122"/>
               </a:rPr>
-              <a:t>(</a:t>
-            </a:r>
-            <a:r>
-              <a:rPr kumimoji="1" lang="en-US" altLang="zh-CN" sz="2400" b="1" i="1">
+              <a:t>O</a:t>
+            </a:r>
+            <a:r>
+              <a:rPr kumimoji="1" lang="en-US" altLang="zh-CN" sz="2400" b="1" dirty="0">
                 <a:latin typeface="Times New Roman" pitchFamily="18" charset="0"/>
                 <a:ea typeface="华文中宋" pitchFamily="2" charset="-122"/>
               </a:rPr>
-              <a:t>n</a:t>
-            </a:r>
-            <a:r>
-              <a:rPr kumimoji="1" lang="en-US" altLang="zh-CN" sz="2400" b="1" i="1" baseline="36000">
+              <a:t>(</a:t>
+            </a:r>
+            <a:r>
+              <a:rPr kumimoji="1" lang="en-US" altLang="zh-CN" sz="2400" b="1" i="1" dirty="0" err="1">
                 <a:latin typeface="Times New Roman" pitchFamily="18" charset="0"/>
                 <a:ea typeface="华文中宋" pitchFamily="2" charset="-122"/>
               </a:rPr>
               <a:t>n</a:t>
             </a:r>
             <a:r>
-              <a:rPr kumimoji="1" lang="en-US" altLang="zh-CN" sz="2400" b="1">
+              <a:rPr kumimoji="1" lang="en-US" altLang="zh-CN" sz="2400" b="1" i="1" baseline="36000" dirty="0" err="1">
+                <a:latin typeface="Times New Roman" pitchFamily="18" charset="0"/>
+                <a:ea typeface="华文中宋" pitchFamily="2" charset="-122"/>
+              </a:rPr>
+              <a:t>n</a:t>
+            </a:r>
+            <a:r>
+              <a:rPr kumimoji="1" lang="en-US" altLang="zh-CN" sz="2400" b="1" dirty="0">
                 <a:latin typeface="Times New Roman" pitchFamily="18" charset="0"/>
                 <a:ea typeface="华文中宋" pitchFamily="2" charset="-122"/>
               </a:rPr>
@@ -31231,28 +31267,28 @@
               </a:spcBef>
             </a:pPr>
             <a:r>
-              <a:rPr kumimoji="1" lang="en-US" altLang="zh-CN" sz="2400" b="1">
+              <a:rPr kumimoji="1" lang="en-US" altLang="zh-CN" sz="2400" b="1" dirty="0">
                 <a:latin typeface="Times New Roman" pitchFamily="18" charset="0"/>
                 <a:ea typeface="华文中宋" pitchFamily="2" charset="-122"/>
               </a:rPr>
               <a:t>        </a:t>
             </a:r>
             <a:r>
-              <a:rPr kumimoji="1" lang="zh-CN" altLang="en-US" sz="2400" b="1">
+              <a:rPr kumimoji="1" lang="zh-CN" altLang="en-US" sz="2400" b="1" dirty="0">
                 <a:latin typeface="Times New Roman" pitchFamily="18" charset="0"/>
                 <a:ea typeface="华文中宋" pitchFamily="2" charset="-122"/>
               </a:rPr>
               <a:t>算法的时间</a:t>
             </a:r>
             <a:r>
-              <a:rPr kumimoji="1" lang="zh-CN" altLang="en-US" sz="2400" b="1" baseline="30000">
+              <a:rPr kumimoji="1" lang="zh-CN" altLang="en-US" sz="2400" b="1" baseline="30000" dirty="0">
                 <a:latin typeface="Times New Roman" pitchFamily="18" charset="0"/>
                 <a:ea typeface="华文中宋" pitchFamily="2" charset="-122"/>
               </a:rPr>
               <a:t> </a:t>
             </a:r>
             <a:r>
-              <a:rPr kumimoji="1" lang="zh-CN" altLang="en-US" sz="2400" b="1">
+              <a:rPr kumimoji="1" lang="zh-CN" altLang="en-US" sz="2400" b="1" dirty="0">
                 <a:latin typeface="Times New Roman" pitchFamily="18" charset="0"/>
                 <a:ea typeface="华文中宋" pitchFamily="2" charset="-122"/>
               </a:rPr>
@@ -31269,98 +31305,98 @@
               </a:spcBef>
             </a:pPr>
             <a:r>
-              <a:rPr kumimoji="1" lang="zh-CN" altLang="en-US" sz="2400" b="1">
+              <a:rPr kumimoji="1" lang="zh-CN" altLang="en-US" sz="2400" b="1" dirty="0">
                 <a:latin typeface="Times New Roman" pitchFamily="18" charset="0"/>
                 <a:ea typeface="华文中宋" pitchFamily="2" charset="-122"/>
               </a:rPr>
               <a:t>常数阶 </a:t>
             </a:r>
             <a:r>
-              <a:rPr kumimoji="1" lang="en-US" altLang="zh-CN" sz="2400" b="1" i="1">
+              <a:rPr kumimoji="1" lang="en-US" altLang="zh-CN" sz="2400" b="1" i="1" dirty="0">
                 <a:latin typeface="Times New Roman" pitchFamily="18" charset="0"/>
                 <a:ea typeface="华文中宋" pitchFamily="2" charset="-122"/>
               </a:rPr>
               <a:t>O</a:t>
             </a:r>
             <a:r>
-              <a:rPr kumimoji="1" lang="en-US" altLang="zh-CN" sz="2400" b="1">
+              <a:rPr kumimoji="1" lang="en-US" altLang="zh-CN" sz="2400" b="1" dirty="0">
                 <a:latin typeface="Times New Roman" pitchFamily="18" charset="0"/>
                 <a:ea typeface="华文中宋" pitchFamily="2" charset="-122"/>
               </a:rPr>
               <a:t>(1)</a:t>
             </a:r>
             <a:r>
-              <a:rPr kumimoji="1" lang="zh-CN" altLang="en-US" sz="2400" b="1">
+              <a:rPr kumimoji="1" lang="zh-CN" altLang="en-US" sz="2400" b="1" dirty="0">
                 <a:latin typeface="Times New Roman" pitchFamily="18" charset="0"/>
                 <a:ea typeface="华文中宋" pitchFamily="2" charset="-122"/>
               </a:rPr>
               <a:t>，对数阶 </a:t>
             </a:r>
             <a:r>
-              <a:rPr kumimoji="1" lang="en-US" altLang="zh-CN" sz="2400" b="1" i="1">
+              <a:rPr kumimoji="1" lang="en-US" altLang="zh-CN" sz="2400" b="1" i="1" dirty="0">
                 <a:latin typeface="Times New Roman" pitchFamily="18" charset="0"/>
                 <a:ea typeface="华文中宋" pitchFamily="2" charset="-122"/>
               </a:rPr>
               <a:t>O</a:t>
             </a:r>
             <a:r>
-              <a:rPr kumimoji="1" lang="en-US" altLang="zh-CN" sz="2400" b="1">
+              <a:rPr kumimoji="1" lang="en-US" altLang="zh-CN" sz="2400" b="1" dirty="0">
                 <a:latin typeface="Times New Roman" pitchFamily="18" charset="0"/>
                 <a:ea typeface="华文中宋" pitchFamily="2" charset="-122"/>
               </a:rPr>
               <a:t>(log </a:t>
             </a:r>
             <a:r>
-              <a:rPr kumimoji="1" lang="en-US" altLang="zh-CN" sz="2400" b="1" i="1">
+              <a:rPr kumimoji="1" lang="en-US" altLang="zh-CN" sz="2400" b="1" i="1" dirty="0">
                 <a:latin typeface="Times New Roman" pitchFamily="18" charset="0"/>
                 <a:ea typeface="华文中宋" pitchFamily="2" charset="-122"/>
               </a:rPr>
               <a:t>n</a:t>
             </a:r>
             <a:r>
-              <a:rPr kumimoji="1" lang="en-US" altLang="zh-CN" sz="2400" b="1">
+              <a:rPr kumimoji="1" lang="en-US" altLang="zh-CN" sz="2400" b="1" dirty="0">
                 <a:latin typeface="Times New Roman" pitchFamily="18" charset="0"/>
                 <a:ea typeface="华文中宋" pitchFamily="2" charset="-122"/>
               </a:rPr>
               <a:t>)</a:t>
             </a:r>
             <a:r>
-              <a:rPr kumimoji="1" lang="zh-CN" altLang="en-US" sz="2400" b="1">
+              <a:rPr kumimoji="1" lang="zh-CN" altLang="en-US" sz="2400" b="1" dirty="0">
                 <a:latin typeface="Times New Roman" pitchFamily="18" charset="0"/>
                 <a:ea typeface="华文中宋" pitchFamily="2" charset="-122"/>
               </a:rPr>
               <a:t>，线性阶 </a:t>
             </a:r>
             <a:r>
-              <a:rPr kumimoji="1" lang="en-US" altLang="zh-CN" sz="2400" b="1" i="1">
+              <a:rPr kumimoji="1" lang="en-US" altLang="zh-CN" sz="2400" b="1" i="1" dirty="0">
                 <a:latin typeface="Times New Roman" pitchFamily="18" charset="0"/>
                 <a:ea typeface="华文中宋" pitchFamily="2" charset="-122"/>
               </a:rPr>
               <a:t>O</a:t>
             </a:r>
             <a:r>
-              <a:rPr kumimoji="1" lang="en-US" altLang="zh-CN" sz="2400" b="1">
+              <a:rPr kumimoji="1" lang="en-US" altLang="zh-CN" sz="2400" b="1" dirty="0">
                 <a:latin typeface="Times New Roman" pitchFamily="18" charset="0"/>
                 <a:ea typeface="华文中宋" pitchFamily="2" charset="-122"/>
               </a:rPr>
               <a:t>(</a:t>
             </a:r>
             <a:r>
-              <a:rPr kumimoji="1" lang="en-US" altLang="zh-CN" sz="2400" b="1" i="1">
+              <a:rPr kumimoji="1" lang="en-US" altLang="zh-CN" sz="2400" b="1" i="1" dirty="0">
                 <a:latin typeface="Times New Roman" pitchFamily="18" charset="0"/>
                 <a:ea typeface="华文中宋" pitchFamily="2" charset="-122"/>
               </a:rPr>
               <a:t>n</a:t>
             </a:r>
             <a:r>
-              <a:rPr kumimoji="1" lang="en-US" altLang="zh-CN" sz="2400" b="1">
+              <a:rPr kumimoji="1" lang="en-US" altLang="zh-CN" sz="2400" b="1" dirty="0">
                 <a:latin typeface="Times New Roman" pitchFamily="18" charset="0"/>
                 <a:ea typeface="华文中宋" pitchFamily="2" charset="-122"/>
               </a:rPr>
               <a:t>)</a:t>
             </a:r>
             <a:r>
-              <a:rPr kumimoji="1" lang="zh-CN" altLang="en-US" sz="2400" b="1">
+              <a:rPr kumimoji="1" lang="zh-CN" altLang="en-US" sz="2400" b="1" dirty="0">
                 <a:latin typeface="Times New Roman" pitchFamily="18" charset="0"/>
                 <a:ea typeface="华文中宋" pitchFamily="2" charset="-122"/>
               </a:rPr>
@@ -31377,154 +31413,161 @@
               </a:spcBef>
             </a:pPr>
             <a:r>
-              <a:rPr kumimoji="1" lang="zh-CN" altLang="en-US" sz="2400" b="1">
+              <a:rPr kumimoji="1" lang="zh-CN" altLang="en-US" sz="2400" b="1" dirty="0">
                 <a:latin typeface="Times New Roman" pitchFamily="18" charset="0"/>
                 <a:ea typeface="华文中宋" pitchFamily="2" charset="-122"/>
               </a:rPr>
               <a:t>线性对数阶 </a:t>
             </a:r>
             <a:r>
-              <a:rPr kumimoji="1" lang="en-US" altLang="zh-CN" sz="2400" b="1" i="1">
+              <a:rPr kumimoji="1" lang="en-US" altLang="zh-CN" sz="2400" b="1" i="1" dirty="0">
                 <a:latin typeface="Times New Roman" pitchFamily="18" charset="0"/>
                 <a:ea typeface="华文中宋" pitchFamily="2" charset="-122"/>
               </a:rPr>
               <a:t>O</a:t>
             </a:r>
             <a:r>
-              <a:rPr kumimoji="1" lang="en-US" altLang="zh-CN" sz="2400" b="1">
+              <a:rPr kumimoji="1" lang="en-US" altLang="zh-CN" sz="2400" b="1" dirty="0">
                 <a:latin typeface="Times New Roman" pitchFamily="18" charset="0"/>
                 <a:ea typeface="华文中宋" pitchFamily="2" charset="-122"/>
               </a:rPr>
               <a:t>(</a:t>
             </a:r>
             <a:r>
-              <a:rPr kumimoji="1" lang="en-US" altLang="zh-CN" sz="2400" b="1" i="1">
+              <a:rPr kumimoji="1" lang="en-US" altLang="zh-CN" sz="2400" b="1" i="1" dirty="0" err="1">
                 <a:latin typeface="Times New Roman" pitchFamily="18" charset="0"/>
                 <a:ea typeface="华文中宋" pitchFamily="2" charset="-122"/>
               </a:rPr>
               <a:t>n</a:t>
             </a:r>
             <a:r>
-              <a:rPr kumimoji="1" lang="en-US" altLang="zh-CN" sz="2400" b="1">
+              <a:rPr kumimoji="1" lang="en-US" altLang="zh-CN" sz="2400" b="1" dirty="0" err="1">
                 <a:latin typeface="Times New Roman" pitchFamily="18" charset="0"/>
                 <a:ea typeface="华文中宋" pitchFamily="2" charset="-122"/>
               </a:rPr>
-              <a:t>log </a:t>
-            </a:r>
-            <a:r>
-              <a:rPr kumimoji="1" lang="en-US" altLang="zh-CN" sz="2400" b="1" i="1">
+              <a:t>log</a:t>
+            </a:r>
+            <a:r>
+              <a:rPr kumimoji="1" lang="en-US" altLang="zh-CN" sz="2400" b="1" dirty="0">
                 <a:latin typeface="Times New Roman" pitchFamily="18" charset="0"/>
                 <a:ea typeface="华文中宋" pitchFamily="2" charset="-122"/>
               </a:rPr>
-              <a:t>n</a:t>
-            </a:r>
-            <a:r>
-              <a:rPr kumimoji="1" lang="en-US" altLang="zh-CN" sz="2400" b="1">
+              <a:t> </a:t>
+            </a:r>
+            <a:r>
+              <a:rPr kumimoji="1" lang="en-US" altLang="zh-CN" sz="2400" b="1" i="1" dirty="0">
                 <a:latin typeface="Times New Roman" pitchFamily="18" charset="0"/>
                 <a:ea typeface="华文中宋" pitchFamily="2" charset="-122"/>
               </a:rPr>
-              <a:t>)</a:t>
-            </a:r>
-            <a:r>
-              <a:rPr kumimoji="1" lang="zh-CN" altLang="en-US" sz="2400" b="1">
+              <a:t>n</a:t>
+            </a:r>
+            <a:r>
+              <a:rPr kumimoji="1" lang="en-US" altLang="zh-CN" sz="2400" b="1" dirty="0">
                 <a:latin typeface="Times New Roman" pitchFamily="18" charset="0"/>
                 <a:ea typeface="华文中宋" pitchFamily="2" charset="-122"/>
               </a:rPr>
-              <a:t>，平方阶 </a:t>
-            </a:r>
-            <a:r>
-              <a:rPr kumimoji="1" lang="en-US" altLang="zh-CN" sz="2400" b="1" i="1">
+              <a:t>)</a:t>
+            </a:r>
+            <a:r>
+              <a:rPr kumimoji="1" lang="zh-CN" altLang="en-US" sz="2400" b="1" dirty="0">
                 <a:latin typeface="Times New Roman" pitchFamily="18" charset="0"/>
                 <a:ea typeface="华文中宋" pitchFamily="2" charset="-122"/>
               </a:rPr>
-              <a:t>O</a:t>
-            </a:r>
-            <a:r>
-              <a:rPr kumimoji="1" lang="en-US" altLang="zh-CN" sz="2400" b="1">
+              <a:t>，平方阶 </a:t>
+            </a:r>
+            <a:r>
+              <a:rPr kumimoji="1" lang="en-US" altLang="zh-CN" sz="2400" b="1" i="1" dirty="0">
                 <a:latin typeface="Times New Roman" pitchFamily="18" charset="0"/>
                 <a:ea typeface="华文中宋" pitchFamily="2" charset="-122"/>
               </a:rPr>
-              <a:t>(</a:t>
-            </a:r>
-            <a:r>
-              <a:rPr kumimoji="1" lang="en-US" altLang="zh-CN" sz="2400" b="1" i="1">
+              <a:t>O</a:t>
+            </a:r>
+            <a:r>
+              <a:rPr kumimoji="1" lang="en-US" altLang="zh-CN" sz="2400" b="1" dirty="0">
                 <a:latin typeface="Times New Roman" pitchFamily="18" charset="0"/>
                 <a:ea typeface="华文中宋" pitchFamily="2" charset="-122"/>
               </a:rPr>
-              <a:t>n</a:t>
-            </a:r>
-            <a:r>
-              <a:rPr kumimoji="1" lang="en-US" altLang="zh-CN" sz="2400" b="1" baseline="30000">
+              <a:t>(</a:t>
+            </a:r>
+            <a:r>
+              <a:rPr kumimoji="1" lang="en-US" altLang="zh-CN" sz="2400" b="1" i="1" dirty="0">
                 <a:latin typeface="Times New Roman" pitchFamily="18" charset="0"/>
                 <a:ea typeface="华文中宋" pitchFamily="2" charset="-122"/>
               </a:rPr>
-              <a:t>2</a:t>
-            </a:r>
-            <a:r>
-              <a:rPr kumimoji="1" lang="en-US" altLang="zh-CN" sz="2400" b="1">
+              <a:t>n</a:t>
+            </a:r>
+            <a:r>
+              <a:rPr kumimoji="1" lang="en-US" altLang="zh-CN" sz="2400" b="1" baseline="30000" dirty="0">
                 <a:latin typeface="Times New Roman" pitchFamily="18" charset="0"/>
                 <a:ea typeface="华文中宋" pitchFamily="2" charset="-122"/>
               </a:rPr>
-              <a:t>)</a:t>
-            </a:r>
-            <a:r>
-              <a:rPr kumimoji="1" lang="zh-CN" altLang="en-US" sz="2400" b="1">
+              <a:t>2</a:t>
+            </a:r>
+            <a:r>
+              <a:rPr kumimoji="1" lang="en-US" altLang="zh-CN" sz="2400" b="1" dirty="0">
                 <a:latin typeface="Times New Roman" pitchFamily="18" charset="0"/>
                 <a:ea typeface="华文中宋" pitchFamily="2" charset="-122"/>
               </a:rPr>
-              <a:t>，立方阶 </a:t>
-            </a:r>
-            <a:r>
-              <a:rPr kumimoji="1" lang="en-US" altLang="zh-CN" sz="2400" b="1" i="1">
+              <a:t>)</a:t>
+            </a:r>
+            <a:r>
+              <a:rPr kumimoji="1" lang="zh-CN" altLang="en-US" sz="2400" b="1" dirty="0">
                 <a:latin typeface="Times New Roman" pitchFamily="18" charset="0"/>
                 <a:ea typeface="华文中宋" pitchFamily="2" charset="-122"/>
               </a:rPr>
-              <a:t>O</a:t>
-            </a:r>
-            <a:r>
-              <a:rPr kumimoji="1" lang="en-US" altLang="zh-CN" sz="2400" b="1">
+              <a:t>，立方阶 </a:t>
+            </a:r>
+            <a:r>
+              <a:rPr kumimoji="1" lang="en-US" altLang="zh-CN" sz="2400" b="1" i="1" dirty="0">
                 <a:latin typeface="Times New Roman" pitchFamily="18" charset="0"/>
                 <a:ea typeface="华文中宋" pitchFamily="2" charset="-122"/>
               </a:rPr>
-              <a:t>(</a:t>
-            </a:r>
-            <a:r>
-              <a:rPr kumimoji="1" lang="en-US" altLang="zh-CN" sz="2400" b="1" i="1">
+              <a:t>O</a:t>
+            </a:r>
+            <a:r>
+              <a:rPr kumimoji="1" lang="en-US" altLang="zh-CN" sz="2400" b="1" dirty="0">
                 <a:latin typeface="Times New Roman" pitchFamily="18" charset="0"/>
                 <a:ea typeface="华文中宋" pitchFamily="2" charset="-122"/>
               </a:rPr>
-              <a:t>n</a:t>
-            </a:r>
-            <a:r>
-              <a:rPr kumimoji="1" lang="en-US" altLang="zh-CN" sz="2400" b="1" baseline="30000">
+              <a:t>(</a:t>
+            </a:r>
+            <a:r>
+              <a:rPr kumimoji="1" lang="en-US" altLang="zh-CN" sz="2400" b="1" i="1" dirty="0">
                 <a:latin typeface="Times New Roman" pitchFamily="18" charset="0"/>
                 <a:ea typeface="华文中宋" pitchFamily="2" charset="-122"/>
               </a:rPr>
-              <a:t>3</a:t>
-            </a:r>
-            <a:r>
-              <a:rPr kumimoji="1" lang="en-US" altLang="zh-CN" sz="2400" b="1">
+              <a:t>n</a:t>
+            </a:r>
+            <a:r>
+              <a:rPr kumimoji="1" lang="en-US" altLang="zh-CN" sz="2400" b="1" baseline="30000" dirty="0">
                 <a:latin typeface="Times New Roman" pitchFamily="18" charset="0"/>
                 <a:ea typeface="华文中宋" pitchFamily="2" charset="-122"/>
               </a:rPr>
-              <a:t>)</a:t>
-            </a:r>
-            <a:r>
-              <a:rPr kumimoji="1" lang="zh-CN" altLang="en-US" sz="2400" b="1">
+              <a:t>3</a:t>
+            </a:r>
+            <a:r>
+              <a:rPr kumimoji="1" lang="en-US" altLang="zh-CN" sz="2400" b="1" dirty="0">
                 <a:latin typeface="Times New Roman" pitchFamily="18" charset="0"/>
                 <a:ea typeface="华文中宋" pitchFamily="2" charset="-122"/>
               </a:rPr>
-              <a:t>，</a:t>
-            </a:r>
-            <a:r>
-              <a:rPr kumimoji="1" lang="en-US" altLang="zh-CN" sz="2400" b="1">
+              <a:t>)</a:t>
+            </a:r>
+            <a:r>
+              <a:rPr kumimoji="1" lang="zh-CN" altLang="en-US" sz="2400" b="1" dirty="0">
                 <a:latin typeface="Times New Roman" pitchFamily="18" charset="0"/>
                 <a:ea typeface="华文中宋" pitchFamily="2" charset="-122"/>
               </a:rPr>
+              <a:t>，</a:t>
+            </a:r>
+            <a:r>
+              <a:rPr kumimoji="1" lang="en-US" altLang="zh-CN" sz="2400" b="1" dirty="0">
+                <a:latin typeface="Times New Roman" pitchFamily="18" charset="0"/>
+                <a:ea typeface="华文中宋" pitchFamily="2" charset="-122"/>
+              </a:rPr>
               <a:t>…</a:t>
             </a:r>
             <a:r>
-              <a:rPr kumimoji="1" lang="zh-CN" altLang="en-US" sz="2400" b="1">
+              <a:rPr kumimoji="1" lang="zh-CN" altLang="en-US" sz="2400" b="1" dirty="0">
                 <a:latin typeface="Times New Roman" pitchFamily="18" charset="0"/>
                 <a:ea typeface="华文中宋" pitchFamily="2" charset="-122"/>
               </a:rPr>
@@ -31541,126 +31584,126 @@
               </a:spcBef>
             </a:pPr>
             <a:r>
-              <a:rPr kumimoji="1" lang="en-US" altLang="zh-CN" sz="2400" b="1" i="1">
+              <a:rPr kumimoji="1" lang="en-US" altLang="zh-CN" sz="2400" b="1" i="1" dirty="0">
                 <a:latin typeface="Times New Roman" pitchFamily="18" charset="0"/>
                 <a:ea typeface="华文中宋" pitchFamily="2" charset="-122"/>
               </a:rPr>
               <a:t>k </a:t>
             </a:r>
             <a:r>
-              <a:rPr kumimoji="1" lang="zh-CN" altLang="en-US" sz="2400" b="1">
+              <a:rPr kumimoji="1" lang="zh-CN" altLang="en-US" sz="2400" b="1" dirty="0">
                 <a:latin typeface="Times New Roman" pitchFamily="18" charset="0"/>
                 <a:ea typeface="华文中宋" pitchFamily="2" charset="-122"/>
               </a:rPr>
               <a:t>次方阶</a:t>
             </a:r>
             <a:r>
-              <a:rPr kumimoji="1" lang="en-US" altLang="zh-CN" sz="2400" b="1" i="1">
+              <a:rPr kumimoji="1" lang="en-US" altLang="zh-CN" sz="2400" b="1" i="1" dirty="0">
                 <a:latin typeface="Times New Roman" pitchFamily="18" charset="0"/>
                 <a:ea typeface="华文中宋" pitchFamily="2" charset="-122"/>
               </a:rPr>
               <a:t>O</a:t>
             </a:r>
             <a:r>
-              <a:rPr kumimoji="1" lang="en-US" altLang="zh-CN" sz="2400" b="1">
+              <a:rPr kumimoji="1" lang="en-US" altLang="zh-CN" sz="2400" b="1" dirty="0">
                 <a:latin typeface="Times New Roman" pitchFamily="18" charset="0"/>
                 <a:ea typeface="华文中宋" pitchFamily="2" charset="-122"/>
               </a:rPr>
               <a:t>(</a:t>
             </a:r>
             <a:r>
-              <a:rPr kumimoji="1" lang="en-US" altLang="zh-CN" sz="2400" b="1" i="1">
+              <a:rPr kumimoji="1" lang="en-US" altLang="zh-CN" sz="2400" b="1" i="1" dirty="0" err="1">
                 <a:latin typeface="Times New Roman" pitchFamily="18" charset="0"/>
                 <a:ea typeface="华文中宋" pitchFamily="2" charset="-122"/>
               </a:rPr>
               <a:t>n</a:t>
             </a:r>
             <a:r>
-              <a:rPr kumimoji="1" lang="en-US" altLang="zh-CN" sz="2400" b="1" i="1" baseline="30000">
+              <a:rPr kumimoji="1" lang="en-US" altLang="zh-CN" sz="2400" b="1" i="1" baseline="30000" dirty="0" err="1">
                 <a:latin typeface="Times New Roman" pitchFamily="18" charset="0"/>
                 <a:ea typeface="华文中宋" pitchFamily="2" charset="-122"/>
               </a:rPr>
               <a:t>k</a:t>
             </a:r>
             <a:r>
-              <a:rPr kumimoji="1" lang="en-US" altLang="zh-CN" sz="2400" b="1">
+              <a:rPr kumimoji="1" lang="en-US" altLang="zh-CN" sz="2400" b="1" dirty="0">
                 <a:latin typeface="Times New Roman" pitchFamily="18" charset="0"/>
                 <a:ea typeface="华文中宋" pitchFamily="2" charset="-122"/>
               </a:rPr>
               <a:t>)</a:t>
             </a:r>
             <a:r>
-              <a:rPr kumimoji="1" lang="zh-CN" altLang="en-US" sz="2400" b="1">
+              <a:rPr kumimoji="1" lang="zh-CN" altLang="en-US" sz="2400" b="1" dirty="0">
                 <a:latin typeface="Times New Roman" pitchFamily="18" charset="0"/>
                 <a:ea typeface="华文中宋" pitchFamily="2" charset="-122"/>
               </a:rPr>
               <a:t>，指数阶 </a:t>
             </a:r>
             <a:r>
-              <a:rPr kumimoji="1" lang="en-US" altLang="zh-CN" sz="2400" b="1" i="1">
+              <a:rPr kumimoji="1" lang="en-US" altLang="zh-CN" sz="2400" b="1" i="1" dirty="0">
                 <a:latin typeface="Times New Roman" pitchFamily="18" charset="0"/>
                 <a:ea typeface="华文中宋" pitchFamily="2" charset="-122"/>
               </a:rPr>
               <a:t>O</a:t>
             </a:r>
             <a:r>
-              <a:rPr kumimoji="1" lang="en-US" altLang="zh-CN" sz="2400" b="1">
+              <a:rPr kumimoji="1" lang="en-US" altLang="zh-CN" sz="2400" b="1" dirty="0">
                 <a:latin typeface="Times New Roman" pitchFamily="18" charset="0"/>
                 <a:ea typeface="华文中宋" pitchFamily="2" charset="-122"/>
               </a:rPr>
               <a:t>(2</a:t>
             </a:r>
             <a:r>
-              <a:rPr kumimoji="1" lang="en-US" altLang="zh-CN" sz="2400" b="1" i="1" baseline="30000">
+              <a:rPr kumimoji="1" lang="en-US" altLang="zh-CN" sz="2400" b="1" i="1" baseline="30000" dirty="0">
                 <a:latin typeface="Times New Roman" pitchFamily="18" charset="0"/>
                 <a:ea typeface="华文中宋" pitchFamily="2" charset="-122"/>
               </a:rPr>
               <a:t>n</a:t>
             </a:r>
             <a:r>
-              <a:rPr kumimoji="1" lang="en-US" altLang="zh-CN" sz="2400" b="1">
+              <a:rPr kumimoji="1" lang="en-US" altLang="zh-CN" sz="2400" b="1" dirty="0">
                 <a:latin typeface="Times New Roman" pitchFamily="18" charset="0"/>
                 <a:ea typeface="华文中宋" pitchFamily="2" charset="-122"/>
               </a:rPr>
               <a:t>)</a:t>
             </a:r>
             <a:r>
-              <a:rPr kumimoji="1" lang="zh-CN" altLang="en-US" sz="2400" b="1">
+              <a:rPr kumimoji="1" lang="zh-CN" altLang="en-US" sz="2400" b="1" dirty="0">
                 <a:latin typeface="Times New Roman" pitchFamily="18" charset="0"/>
                 <a:ea typeface="华文中宋" pitchFamily="2" charset="-122"/>
               </a:rPr>
               <a:t>，阶乘阶 </a:t>
             </a:r>
             <a:r>
-              <a:rPr kumimoji="1" lang="en-US" altLang="zh-CN" sz="2400" b="1" i="1">
+              <a:rPr kumimoji="1" lang="en-US" altLang="zh-CN" sz="2400" b="1" i="1" dirty="0">
                 <a:latin typeface="Times New Roman" pitchFamily="18" charset="0"/>
                 <a:ea typeface="华文中宋" pitchFamily="2" charset="-122"/>
               </a:rPr>
               <a:t>O</a:t>
             </a:r>
             <a:r>
-              <a:rPr kumimoji="1" lang="en-US" altLang="zh-CN" sz="2400" b="1">
+              <a:rPr kumimoji="1" lang="en-US" altLang="zh-CN" sz="2400" b="1" dirty="0">
                 <a:latin typeface="Times New Roman" pitchFamily="18" charset="0"/>
                 <a:ea typeface="华文中宋" pitchFamily="2" charset="-122"/>
               </a:rPr>
               <a:t>(</a:t>
             </a:r>
             <a:r>
-              <a:rPr kumimoji="1" lang="en-US" altLang="zh-CN" sz="2400" b="1" i="1">
+              <a:rPr kumimoji="1" lang="en-US" altLang="zh-CN" sz="2400" b="1" i="1" dirty="0">
                 <a:latin typeface="Times New Roman" pitchFamily="18" charset="0"/>
                 <a:ea typeface="华文中宋" pitchFamily="2" charset="-122"/>
               </a:rPr>
               <a:t>n</a:t>
             </a:r>
             <a:r>
-              <a:rPr kumimoji="1" lang="en-US" altLang="zh-CN" sz="2400" b="1">
+              <a:rPr kumimoji="1" lang="en-US" altLang="zh-CN" sz="2400" b="1" dirty="0">
                 <a:latin typeface="Times New Roman" pitchFamily="18" charset="0"/>
                 <a:ea typeface="华文中宋" pitchFamily="2" charset="-122"/>
               </a:rPr>
               <a:t>!)</a:t>
             </a:r>
             <a:r>
-              <a:rPr kumimoji="1" lang="zh-CN" altLang="en-US" sz="2400" b="1">
+              <a:rPr kumimoji="1" lang="zh-CN" altLang="en-US" sz="2400" b="1" dirty="0">
                 <a:latin typeface="Times New Roman" pitchFamily="18" charset="0"/>
                 <a:ea typeface="华文中宋" pitchFamily="2" charset="-122"/>
               </a:rPr>
@@ -32235,21 +32278,12 @@
               <a:t>学分     </a:t>
             </a:r>
             <a:r>
-              <a:rPr kumimoji="0" lang="en-US" altLang="zh-CN" sz="3200" b="0" i="0" u="none" strike="noStrike" kern="1200" cap="none" spc="0" normalizeH="0" baseline="0" noProof="0" dirty="0">
-                <a:ln>
-                  <a:noFill/>
-                </a:ln>
+              <a:rPr lang="en-US" altLang="zh-CN" sz="3200" dirty="0">
                 <a:solidFill>
                   <a:srgbClr val="FF0000"/>
                 </a:solidFill>
-                <a:effectLst/>
-                <a:uLnTx/>
-                <a:uFillTx/>
-                <a:latin typeface="+mn-lt"/>
-                <a:ea typeface="+mn-ea"/>
-                <a:cs typeface="+mn-cs"/>
-              </a:rPr>
-              <a:t>3</a:t>
+              </a:rPr>
+              <a:t>4</a:t>
             </a:r>
             <a:r>
               <a:rPr kumimoji="0" lang="zh-CN" altLang="en-US" sz="3200" b="0" i="0" u="none" strike="noStrike" kern="1200" cap="none" spc="0" normalizeH="0" baseline="0" noProof="0" dirty="0">
@@ -32317,21 +32351,8 @@
               <a:t>学时     </a:t>
             </a:r>
             <a:r>
-              <a:rPr kumimoji="0" lang="en-US" altLang="zh-CN" sz="3200" b="0" i="0" u="none" strike="noStrike" kern="1200" cap="none" spc="0" normalizeH="0" baseline="0" noProof="0" dirty="0">
-                <a:ln>
-                  <a:noFill/>
-                </a:ln>
-                <a:solidFill>
-                  <a:schemeClr val="tx1"/>
-                </a:solidFill>
-                <a:effectLst/>
-                <a:uLnTx/>
-                <a:uFillTx/>
-                <a:latin typeface="+mn-lt"/>
-                <a:ea typeface="+mn-ea"/>
-                <a:cs typeface="+mn-cs"/>
-              </a:rPr>
-              <a:t>72</a:t>
+              <a:rPr lang="en-US" altLang="zh-CN" sz="3200" dirty="0"/>
+              <a:t>90</a:t>
             </a:r>
             <a:r>
               <a:rPr kumimoji="0" lang="zh-CN" altLang="en-US" sz="3200" b="0" i="0" u="none" strike="noStrike" kern="1200" cap="none" spc="0" normalizeH="0" baseline="0" noProof="0" dirty="0">
@@ -32411,7 +32432,7 @@
           <a:p>
             <a:r>
               <a:rPr lang="zh-CN" altLang="en-US" dirty="0"/>
-              <a:t>月考：</a:t>
+              <a:t>期中：</a:t>
             </a:r>
             <a:r>
               <a:rPr lang="en-US" altLang="zh-CN" dirty="0"/>
@@ -32878,7 +32899,7 @@
           <a:graphicData uri="http://schemas.openxmlformats.org/presentationml/2006/ole">
             <mc:AlternateContent xmlns:mc="http://schemas.openxmlformats.org/markup-compatibility/2006">
               <mc:Choice xmlns:v="urn:schemas-microsoft-com:vml" Requires="v">
-                <p:oleObj spid="_x0000_s26641" name="VISIO" r:id="rId3" imgW="2374560" imgH="1721160" progId="Visio.Drawing.11">
+                <p:oleObj spid="_x0000_s26642" name="VISIO" r:id="rId3" imgW="2374560" imgH="1721160" progId="Visio.Drawing.11">
                   <p:embed/>
                 </p:oleObj>
               </mc:Choice>
@@ -44577,7 +44598,7 @@
                 </a:spcBef>
               </a:pPr>
               <a:r>
-                <a:rPr kumimoji="1" lang="zh-CN" altLang="en-US" sz="2400" b="1">
+                <a:rPr kumimoji="1" lang="zh-CN" altLang="en-US" sz="2400" b="1" dirty="0">
                   <a:solidFill>
                     <a:srgbClr val="0000FF"/>
                   </a:solidFill>
@@ -44597,7 +44618,7 @@
                 </a:spcBef>
               </a:pPr>
               <a:r>
-                <a:rPr kumimoji="1" lang="zh-CN" altLang="en-US" sz="2400" b="1">
+                <a:rPr kumimoji="1" lang="zh-CN" altLang="en-US" sz="2400" b="1" dirty="0">
                   <a:solidFill>
                     <a:srgbClr val="0000FF"/>
                   </a:solidFill>
@@ -44607,7 +44628,7 @@
                 <a:t>应用的绝大多数</a:t>
               </a:r>
               <a:r>
-                <a:rPr kumimoji="1" lang="zh-CN" altLang="en-US" sz="2400" b="1">
+                <a:rPr kumimoji="1" lang="zh-CN" altLang="en-US" sz="2400" b="1" dirty="0">
                   <a:solidFill>
                     <a:srgbClr val="0000FF"/>
                   </a:solidFill>
@@ -45801,7 +45822,7 @@
           <a:lstStyle/>
           <a:p>
             <a:r>
-              <a:rPr kumimoji="1" lang="zh-CN" altLang="en-US" sz="2400" b="1">
+              <a:rPr kumimoji="1" lang="zh-CN" altLang="en-US" sz="2400" b="1" dirty="0">
                 <a:latin typeface="Times New Roman" pitchFamily="18" charset="0"/>
                 <a:ea typeface="华文中宋" pitchFamily="2" charset="-122"/>
               </a:rPr>
@@ -45810,7 +45831,7 @@
           </a:p>
           <a:p>
             <a:r>
-              <a:rPr kumimoji="1" lang="zh-CN" altLang="en-US" sz="2400" b="1">
+              <a:rPr kumimoji="1" lang="zh-CN" altLang="en-US" sz="2400" b="1" dirty="0">
                 <a:latin typeface="Times New Roman" pitchFamily="18" charset="0"/>
                 <a:ea typeface="华文中宋" pitchFamily="2" charset="-122"/>
               </a:rPr>
@@ -47995,7 +48016,7 @@
           <a:lstStyle/>
           <a:p>
             <a:r>
-              <a:rPr kumimoji="1" lang="zh-CN" altLang="en-US" sz="2400" b="1">
+              <a:rPr kumimoji="1" lang="zh-CN" altLang="en-US" sz="2400" b="1" dirty="0">
                 <a:solidFill>
                   <a:srgbClr val="000000"/>
                 </a:solidFill>

--- a/materials/slides/ds1.pptx
+++ b/materials/slides/ds1.pptx
@@ -1839,42 +1839,6 @@
           <a:bodyPr/>
           <a:lstStyle/>
           <a:p>
-            <a:r>
-              <a:rPr lang="zh-CN" altLang="en-US" dirty="0"/>
-              <a:t>数学模型：数据结构中讨论的就是数据结构</a:t>
-            </a:r>
-            <a:endParaRPr lang="en-US" altLang="zh-CN" dirty="0"/>
-          </a:p>
-          <a:p>
-            <a:r>
-              <a:rPr lang="zh-CN" altLang="en-US" dirty="0"/>
-              <a:t>因此，在数据结构中讨论的抽象数据类型就是：一个数据结构和定义在这个数据结构上的一组操作，以后都会用抽象数据类型来讨论数据结构，有什么好处呢？</a:t>
-            </a:r>
-            <a:endParaRPr lang="en-US" altLang="zh-CN" dirty="0"/>
-          </a:p>
-          <a:p>
-            <a:r>
-              <a:rPr lang="en-US" altLang="zh-CN" dirty="0"/>
-              <a:t>   1</a:t>
-            </a:r>
-            <a:r>
-              <a:rPr lang="zh-CN" altLang="en-US" dirty="0"/>
-              <a:t>、抽象数据类型有两个重要的特征，一个是数据抽象：强调的是本质特征、所能完成的功能以及他和外部用户的接口，会忽略一部分特征。</a:t>
-            </a:r>
-            <a:endParaRPr lang="en-US" altLang="zh-CN" dirty="0"/>
-          </a:p>
-          <a:p>
-            <a:r>
-              <a:rPr lang="en-US" altLang="zh-CN" dirty="0"/>
-              <a:t>                                                           </a:t>
-            </a:r>
-            <a:r>
-              <a:rPr lang="zh-CN" altLang="en-US" dirty="0"/>
-              <a:t>一个是：</a:t>
-            </a:r>
-            <a:endParaRPr lang="en-US" altLang="zh-CN" dirty="0"/>
-          </a:p>
-          <a:p>
             <a:endParaRPr lang="zh-CN" altLang="en-US" dirty="0"/>
           </a:p>
         </p:txBody>
@@ -2758,27 +2722,6 @@
           <a:bodyPr/>
           <a:lstStyle/>
           <a:p>
-            <a:r>
-              <a:rPr lang="zh-CN" altLang="en-US"/>
-              <a:t>意义：数据结构是计算机科学与技术专业、计算机信息管理与应用专业，电子商务等专业的基础课，是十分重要的核心课程。所有的计算机系统软件和应用软件都要用到各种类型的数据结构。因此，要想更好地运用计算机来解决实际问题，仅掌握几种计算机程序设计语言是难以应付当前众多复杂的课题。要想有效地使用计算机、充分发挥计算机的性能，还必须学习和掌握好数据结构的有关知识。打好“数据结构”这门课程的扎实基础，对于学习计算机专业的其他课程，如操作系统、数据库管理系统、软件工程、编译原理、人工智能、图视学等都是十分有益的。</a:t>
-            </a:r>
-            <a:endParaRPr lang="en-US" altLang="zh-CN"/>
-          </a:p>
-          <a:p>
-            <a:r>
-              <a:rPr lang="zh-CN" altLang="en-US" dirty="0"/>
-              <a:t>条件：有一门高级语言的基础、离散数学的相关知识、概率统计的相关知识</a:t>
-            </a:r>
-            <a:endParaRPr lang="en-US" altLang="zh-CN" dirty="0"/>
-          </a:p>
-          <a:p>
-            <a:r>
-              <a:rPr lang="zh-CN" altLang="en-US" dirty="0"/>
-              <a:t>要求：必须要看</a:t>
-            </a:r>
-            <a:endParaRPr lang="en-US" altLang="zh-CN" dirty="0"/>
-          </a:p>
-          <a:p>
             <a:endParaRPr lang="zh-CN" altLang="en-US" dirty="0"/>
           </a:p>
         </p:txBody>
@@ -2896,51 +2839,6 @@
           <a:bodyPr/>
           <a:lstStyle/>
           <a:p>
-            <a:r>
-              <a:rPr lang="zh-CN" altLang="en-US" dirty="0"/>
-              <a:t>数值计算的程序设计问题：利用计算机来进行全球天气预报</a:t>
-            </a:r>
-            <a:r>
-              <a:rPr lang="en-US" altLang="zh-CN" dirty="0"/>
-              <a:t>-----</a:t>
-            </a:r>
-            <a:r>
-              <a:rPr lang="zh-CN" altLang="en-US" dirty="0"/>
-              <a:t>环流模式方程</a:t>
-            </a:r>
-            <a:r>
-              <a:rPr lang="en-US" altLang="zh-CN" dirty="0"/>
-              <a:t>-----</a:t>
-            </a:r>
-            <a:r>
-              <a:rPr lang="zh-CN" altLang="en-US" dirty="0"/>
-              <a:t>数学模型</a:t>
-            </a:r>
-            <a:endParaRPr lang="en-US" altLang="zh-CN" dirty="0"/>
-          </a:p>
-          <a:p>
-            <a:r>
-              <a:rPr lang="zh-CN" altLang="en-US" dirty="0"/>
-              <a:t>非数值计算的问题：求一组整数中 的最大值（算法：基本操作是两两比较；题目中没有说明整数的最大值，但是计算机所能表示的整数是有限的，整数怎么表示呢？）</a:t>
-            </a:r>
-            <a:endParaRPr lang="en-US" altLang="zh-CN" dirty="0"/>
-          </a:p>
-          <a:p>
-            <a:r>
-              <a:rPr lang="en-US" altLang="zh-CN" dirty="0"/>
-              <a:t>                               </a:t>
-            </a:r>
-            <a:r>
-              <a:rPr lang="zh-CN" altLang="en-US" dirty="0"/>
-              <a:t>计算机对弈（算法：下棋的规则和策略；模型：棋盘旗子怎么表示？）</a:t>
-            </a:r>
-            <a:endParaRPr lang="en-US" altLang="zh-CN" dirty="0"/>
-          </a:p>
-          <a:p>
-            <a:r>
-              <a:rPr lang="zh-CN" altLang="en-US" dirty="0"/>
-              <a:t>数据结构描述现实世界实体的数学模型（非数值计算）及其上的操作在计算机中的表示和实现。</a:t>
-            </a:r>
             <a:endParaRPr lang="zh-CN" altLang="zh-CN" dirty="0"/>
           </a:p>
         </p:txBody>
@@ -3090,17 +2988,7 @@
           <a:bodyPr/>
           <a:lstStyle/>
           <a:p>
-            <a:r>
-              <a:rPr lang="zh-CN" altLang="en-US" dirty="0"/>
-              <a:t>数据：是计算机处理的信息的某种特定的符号的表示形式。</a:t>
-            </a:r>
-            <a:endParaRPr lang="en-US" altLang="zh-CN" dirty="0"/>
-          </a:p>
-          <a:p>
-            <a:r>
-              <a:rPr lang="zh-CN" altLang="en-US" dirty="0"/>
-              <a:t>数据元素：是基本元素，但不是最小单位，因为最小单位是数据项，一个数据元素可以由多个数据项组成。</a:t>
-            </a:r>
+            <a:endParaRPr lang="zh-CN" altLang="en-US" dirty="0"/>
           </a:p>
         </p:txBody>
       </p:sp>
@@ -3190,165 +3078,7 @@
           <a:bodyPr/>
           <a:lstStyle/>
           <a:p>
-            <a:r>
-              <a:rPr lang="zh-CN" altLang="en-US" dirty="0"/>
-              <a:t>比方说，一个含</a:t>
-            </a:r>
-            <a:r>
-              <a:rPr lang="en-US" altLang="zh-CN" dirty="0"/>
-              <a:t>12</a:t>
-            </a:r>
-            <a:r>
-              <a:rPr lang="zh-CN" altLang="en-US" dirty="0"/>
-              <a:t>位数的十进制数可以用三个四位的十进制数表示：</a:t>
-            </a:r>
-            <a:r>
-              <a:rPr lang="en-US" altLang="zh-CN" dirty="0"/>
-              <a:t>3214,6578,9345-------a1(3214),a2(6578),a3(9345)</a:t>
-            </a:r>
-            <a:r>
-              <a:rPr lang="zh-CN" altLang="en-US" dirty="0"/>
-              <a:t>这三个数的位置不能颠倒，否则表时的就不是同一个十进制数，因为</a:t>
-            </a:r>
-            <a:r>
-              <a:rPr lang="en-US" altLang="zh-CN" dirty="0"/>
-              <a:t>a1</a:t>
-            </a:r>
-            <a:r>
-              <a:rPr lang="zh-CN" altLang="en-US" dirty="0"/>
-              <a:t>，</a:t>
-            </a:r>
-            <a:r>
-              <a:rPr lang="en-US" altLang="zh-CN" dirty="0"/>
-              <a:t>a2</a:t>
-            </a:r>
-            <a:r>
-              <a:rPr lang="zh-CN" altLang="en-US" dirty="0"/>
-              <a:t>，</a:t>
-            </a:r>
-            <a:r>
-              <a:rPr lang="en-US" altLang="zh-CN" dirty="0"/>
-              <a:t>a3</a:t>
-            </a:r>
-            <a:r>
-              <a:rPr lang="zh-CN" altLang="en-US" dirty="0"/>
-              <a:t>之间存在一个次序关系，这个关系不能改变，他们之间的这个关系我们称之为结构。</a:t>
-            </a:r>
-            <a:endParaRPr lang="en-US" altLang="zh-CN" dirty="0"/>
-          </a:p>
-          <a:p>
-            <a:r>
-              <a:rPr lang="zh-CN" altLang="en-US" dirty="0"/>
-              <a:t>再比如说，</a:t>
-            </a:r>
-            <a:r>
-              <a:rPr lang="en-US" altLang="zh-CN" dirty="0"/>
-              <a:t>2</a:t>
-            </a:r>
-            <a:r>
-              <a:rPr lang="zh-CN" altLang="en-US" dirty="0"/>
-              <a:t>行</a:t>
-            </a:r>
-            <a:r>
-              <a:rPr lang="en-US" altLang="zh-CN" dirty="0"/>
-              <a:t>3</a:t>
-            </a:r>
-            <a:r>
-              <a:rPr lang="zh-CN" altLang="en-US" dirty="0"/>
-              <a:t>列的二维数组</a:t>
-            </a:r>
-            <a:r>
-              <a:rPr lang="en-US" altLang="zh-CN" dirty="0"/>
-              <a:t>{a1,a2,a3,a4,a5,a6}</a:t>
-            </a:r>
-          </a:p>
-          <a:p>
-            <a:r>
-              <a:rPr lang="en-US" altLang="zh-CN" dirty="0"/>
-              <a:t>                 </a:t>
-            </a:r>
-            <a:r>
-              <a:rPr lang="zh-CN" altLang="en-US" dirty="0"/>
-              <a:t>行的次序关系：</a:t>
-            </a:r>
-            <a:r>
-              <a:rPr lang="en-US" altLang="zh-CN" dirty="0"/>
-              <a:t>row={&lt;a1,a2&gt;,&lt;a2,a3&gt;,&lt;a4,a5&gt;,&lt;a5,a6&gt;}</a:t>
-            </a:r>
-          </a:p>
-          <a:p>
-            <a:r>
-              <a:rPr lang="en-US" altLang="zh-CN" dirty="0"/>
-              <a:t>                 </a:t>
-            </a:r>
-            <a:r>
-              <a:rPr lang="zh-CN" altLang="en-US" dirty="0"/>
-              <a:t>列的次序关系：</a:t>
-            </a:r>
-            <a:r>
-              <a:rPr lang="en-US" altLang="zh-CN" dirty="0"/>
-              <a:t>col={&lt;a1,a4&gt;,&lt;a2,a5&gt;,&lt;a3,a6&gt;}</a:t>
-            </a:r>
-          </a:p>
-          <a:p>
-            <a:endParaRPr lang="en-US" altLang="zh-CN" dirty="0"/>
-          </a:p>
-          <a:p>
-            <a:pPr marL="0" marR="0" lvl="0" indent="0" algn="l" defTabSz="914400" rtl="0" eaLnBrk="1" fontAlgn="auto" latinLnBrk="0" hangingPunct="1">
-              <a:lnSpc>
-                <a:spcPct val="100000"/>
-              </a:lnSpc>
-              <a:spcBef>
-                <a:spcPts val="0"/>
-              </a:spcBef>
-              <a:spcAft>
-                <a:spcPts val="0"/>
-              </a:spcAft>
-              <a:buClrTx/>
-              <a:buSzTx/>
-              <a:buFontTx/>
-              <a:buNone/>
-              <a:tabLst/>
-              <a:defRPr/>
-            </a:pPr>
-            <a:r>
-              <a:rPr lang="en-US" altLang="zh-CN" dirty="0"/>
-              <a:t>                 </a:t>
-            </a:r>
-            <a:r>
-              <a:rPr lang="zh-CN" altLang="en-US" dirty="0"/>
-              <a:t>一维数组：同样的六个元素</a:t>
-            </a:r>
-            <a:r>
-              <a:rPr lang="en-US" altLang="zh-CN" dirty="0"/>
-              <a:t>{a1,a2,a3,a4,a5,a6}</a:t>
-            </a:r>
-          </a:p>
-          <a:p>
-            <a:r>
-              <a:rPr lang="en-US" altLang="zh-CN" dirty="0"/>
-              <a:t>                 </a:t>
-            </a:r>
-            <a:r>
-              <a:rPr lang="zh-CN" altLang="en-US" dirty="0"/>
-              <a:t>关系：</a:t>
-            </a:r>
-            <a:r>
-              <a:rPr lang="en-US" altLang="zh-CN" dirty="0"/>
-              <a:t>{&lt;ai,ai+1&gt;|</a:t>
-            </a:r>
-            <a:r>
-              <a:rPr lang="en-US" altLang="zh-CN" dirty="0" err="1"/>
-              <a:t>i</a:t>
-            </a:r>
-            <a:r>
-              <a:rPr lang="en-US" altLang="zh-CN" dirty="0"/>
-              <a:t>=1,2,3,4,5}</a:t>
-            </a:r>
-            <a:r>
-              <a:rPr lang="zh-CN" altLang="en-US" dirty="0"/>
-              <a:t>这种线性关系</a:t>
-            </a:r>
+            <a:endParaRPr lang="zh-CN" altLang="en-US" dirty="0"/>
           </a:p>
         </p:txBody>
       </p:sp>
@@ -3438,10 +3168,7 @@
           <a:bodyPr/>
           <a:lstStyle/>
           <a:p>
-            <a:r>
-              <a:rPr lang="zh-CN" altLang="en-US" dirty="0"/>
-              <a:t>集合中元素之间不存在任何关系，但是从某种意义上来说，属于同一个集合的元素也存在关系，这个关系就是集合本身。</a:t>
-            </a:r>
+            <a:endParaRPr lang="zh-CN" altLang="en-US" dirty="0"/>
           </a:p>
         </p:txBody>
       </p:sp>
@@ -3531,28 +3258,6 @@
           <a:bodyPr/>
           <a:lstStyle/>
           <a:p>
-            <a:r>
-              <a:rPr lang="en-US" altLang="zh-CN" dirty="0"/>
-              <a:t>D</a:t>
-            </a:r>
-            <a:r>
-              <a:rPr lang="zh-CN" altLang="en-US" dirty="0"/>
-              <a:t>：数据元素的有限集</a:t>
-            </a:r>
-            <a:endParaRPr lang="en-US" altLang="zh-CN" dirty="0"/>
-          </a:p>
-          <a:p>
-            <a:r>
-              <a:rPr lang="en-US" altLang="zh-CN" dirty="0"/>
-              <a:t>S</a:t>
-            </a:r>
-            <a:r>
-              <a:rPr lang="zh-CN" altLang="en-US" dirty="0"/>
-              <a:t>：关系的有限集</a:t>
-            </a:r>
-            <a:endParaRPr lang="en-US" altLang="zh-CN" dirty="0"/>
-          </a:p>
-          <a:p>
             <a:endParaRPr lang="en-US" altLang="zh-CN" dirty="0"/>
           </a:p>
         </p:txBody>
@@ -3642,73 +3347,6 @@
         <p:txBody>
           <a:bodyPr/>
           <a:lstStyle/>
-          <a:p>
-            <a:pPr marL="0" marR="0" lvl="0" indent="0" algn="l" defTabSz="914400" rtl="0" eaLnBrk="1" fontAlgn="auto" latinLnBrk="0" hangingPunct="1">
-              <a:lnSpc>
-                <a:spcPct val="100000"/>
-              </a:lnSpc>
-              <a:spcBef>
-                <a:spcPts val="0"/>
-              </a:spcBef>
-              <a:spcAft>
-                <a:spcPts val="0"/>
-              </a:spcAft>
-              <a:buClrTx/>
-              <a:buSzTx/>
-              <a:buFontTx/>
-              <a:buNone/>
-              <a:tabLst/>
-              <a:defRPr/>
-            </a:pPr>
-            <a:r>
-              <a:rPr lang="zh-CN" altLang="en-US" dirty="0"/>
-              <a:t>数据的存储结构：逻辑结构在存储器中的映像。或者说逻辑结构在计算机中的表示。</a:t>
-            </a:r>
-            <a:endParaRPr lang="en-US" altLang="zh-CN" dirty="0"/>
-          </a:p>
-          <a:p>
-            <a:pPr marL="0" marR="0" lvl="0" indent="0" algn="l" defTabSz="914400" rtl="0" eaLnBrk="1" fontAlgn="auto" latinLnBrk="0" hangingPunct="1">
-              <a:lnSpc>
-                <a:spcPct val="100000"/>
-              </a:lnSpc>
-              <a:spcBef>
-                <a:spcPts val="0"/>
-              </a:spcBef>
-              <a:spcAft>
-                <a:spcPts val="0"/>
-              </a:spcAft>
-              <a:buClrTx/>
-              <a:buSzTx/>
-              <a:buFontTx/>
-              <a:buNone/>
-              <a:tabLst/>
-              <a:defRPr/>
-            </a:pPr>
-            <a:endParaRPr lang="en-US" altLang="zh-CN" dirty="0"/>
-          </a:p>
-          <a:p>
-            <a:pPr marL="0" marR="0" lvl="0" indent="0" algn="l" defTabSz="914400" rtl="0" eaLnBrk="1" fontAlgn="auto" latinLnBrk="0" hangingPunct="1">
-              <a:lnSpc>
-                <a:spcPct val="100000"/>
-              </a:lnSpc>
-              <a:spcBef>
-                <a:spcPts val="0"/>
-              </a:spcBef>
-              <a:spcAft>
-                <a:spcPts val="0"/>
-              </a:spcAft>
-              <a:buClrTx/>
-              <a:buSzTx/>
-              <a:buFontTx/>
-              <a:buNone/>
-              <a:tabLst/>
-              <a:defRPr/>
-            </a:pPr>
-            <a:r>
-              <a:rPr lang="zh-CN" altLang="en-US" dirty="0"/>
-              <a:t>非顺序存储映像，也叫作链式映像。</a:t>
-            </a:r>
-          </a:p>
           <a:p>
             <a:endParaRPr lang="en-US" altLang="zh-CN" dirty="0"/>
           </a:p>
@@ -10345,7 +9983,7 @@
           <a:graphicData uri="http://schemas.openxmlformats.org/presentationml/2006/ole">
             <mc:AlternateContent xmlns:mc="http://schemas.openxmlformats.org/markup-compatibility/2006">
               <mc:Choice xmlns:v="urn:schemas-microsoft-com:vml" Requires="v">
-                <p:oleObj spid="_x0000_s1054" name="Visio" r:id="rId4" imgW="2627620" imgH="4228081" progId="Visio.Drawing.11">
+                <p:oleObj spid="_x0000_s1055" name="Visio" r:id="rId4" imgW="2627620" imgH="4228081" progId="Visio.Drawing.11">
                   <p:embed/>
                 </p:oleObj>
               </mc:Choice>
@@ -31227,7 +30865,7 @@
             <a:graphicData uri="http://schemas.openxmlformats.org/presentationml/2006/ole">
               <mc:AlternateContent xmlns:mc="http://schemas.openxmlformats.org/markup-compatibility/2006">
                 <mc:Choice xmlns:v="urn:schemas-microsoft-com:vml" Requires="v">
-                  <p:oleObj spid="_x0000_s51229" name="公式" r:id="rId4" imgW="977760" imgH="393480" progId="Equation.3">
+                  <p:oleObj spid="_x0000_s51230" name="公式" r:id="rId4" imgW="977760" imgH="393480" progId="Equation.3">
                     <p:embed/>
                   </p:oleObj>
                 </mc:Choice>
@@ -33985,7 +33623,7 @@
           <a:graphicData uri="http://schemas.openxmlformats.org/presentationml/2006/ole">
             <mc:AlternateContent xmlns:mc="http://schemas.openxmlformats.org/markup-compatibility/2006">
               <mc:Choice xmlns:v="urn:schemas-microsoft-com:vml" Requires="v">
-                <p:oleObj spid="_x0000_s26653" name="VISIO" r:id="rId3" imgW="2374560" imgH="1721160" progId="Visio.Drawing.11">
+                <p:oleObj spid="_x0000_s26654" name="VISIO" r:id="rId3" imgW="2374560" imgH="1721160" progId="Visio.Drawing.11">
                   <p:embed/>
                 </p:oleObj>
               </mc:Choice>

--- a/materials/slides/ds1.pptx
+++ b/materials/slides/ds1.pptx
@@ -9983,7 +9983,7 @@
           <a:graphicData uri="http://schemas.openxmlformats.org/presentationml/2006/ole">
             <mc:AlternateContent xmlns:mc="http://schemas.openxmlformats.org/markup-compatibility/2006">
               <mc:Choice xmlns:v="urn:schemas-microsoft-com:vml" Requires="v">
-                <p:oleObj spid="_x0000_s1055" name="Visio" r:id="rId4" imgW="2627620" imgH="4228081" progId="Visio.Drawing.11">
+                <p:oleObj spid="_x0000_s1057" name="Visio" r:id="rId4" imgW="2627620" imgH="4228081" progId="Visio.Drawing.11">
                   <p:embed/>
                 </p:oleObj>
               </mc:Choice>
@@ -18707,23 +18707,7 @@
             </a:pPr>
             <a:r>
               <a:rPr lang="en-US" altLang="zh-CN" sz="2400" dirty="0"/>
-              <a:t>       </a:t>
-            </a:r>
-            <a:r>
-              <a:rPr lang="en-US" altLang="zh-CN" sz="2400" dirty="0" err="1"/>
-              <a:t>typedef</a:t>
-            </a:r>
-            <a:r>
-              <a:rPr lang="en-US" altLang="zh-CN" sz="2400" dirty="0"/>
-              <a:t>  </a:t>
-            </a:r>
-            <a:r>
-              <a:rPr lang="en-US" altLang="zh-CN" sz="2400" dirty="0" err="1"/>
-              <a:t>int</a:t>
-            </a:r>
-            <a:r>
-              <a:rPr lang="en-US" altLang="zh-CN" sz="2400" dirty="0"/>
-              <a:t>   </a:t>
+              <a:t>       typedef  int   </a:t>
             </a:r>
             <a:r>
               <a:rPr lang="en-US" altLang="zh-CN" sz="2400" dirty="0" err="1"/>
@@ -18734,8 +18718,8 @@
               <a:t>; //</a:t>
             </a:r>
             <a:r>
-              <a:rPr lang="zh-CN" altLang="en-US" sz="2400" dirty="0"/>
-              <a:t>整形元组</a:t>
+              <a:rPr lang="zh-CN" altLang="en-US" sz="2400"/>
+              <a:t>整型元组</a:t>
             </a:r>
             <a:endParaRPr lang="en-US" altLang="zh-CN" sz="2400" dirty="0"/>
           </a:p>
@@ -30865,7 +30849,7 @@
             <a:graphicData uri="http://schemas.openxmlformats.org/presentationml/2006/ole">
               <mc:AlternateContent xmlns:mc="http://schemas.openxmlformats.org/markup-compatibility/2006">
                 <mc:Choice xmlns:v="urn:schemas-microsoft-com:vml" Requires="v">
-                  <p:oleObj spid="_x0000_s51230" name="公式" r:id="rId4" imgW="977760" imgH="393480" progId="Equation.3">
+                  <p:oleObj spid="_x0000_s51232" name="公式" r:id="rId4" imgW="977760" imgH="393480" progId="Equation.3">
                     <p:embed/>
                   </p:oleObj>
                 </mc:Choice>
@@ -33623,7 +33607,7 @@
           <a:graphicData uri="http://schemas.openxmlformats.org/presentationml/2006/ole">
             <mc:AlternateContent xmlns:mc="http://schemas.openxmlformats.org/markup-compatibility/2006">
               <mc:Choice xmlns:v="urn:schemas-microsoft-com:vml" Requires="v">
-                <p:oleObj spid="_x0000_s26654" name="VISIO" r:id="rId3" imgW="2374560" imgH="1721160" progId="Visio.Drawing.11">
+                <p:oleObj spid="_x0000_s26656" name="VISIO" r:id="rId3" imgW="2374560" imgH="1721160" progId="Visio.Drawing.11">
                   <p:embed/>
                 </p:oleObj>
               </mc:Choice>
